--- a/FPL_Data_Driven_Decisions/Project/Fantasy Premier League - Data Driven Decisions.pptx
+++ b/FPL_Data_Driven_Decisions/Project/Fantasy Premier League - Data Driven Decisions.pptx
@@ -18,6 +18,7 @@
     <p:sldId id="274" r:id="rId12"/>
     <p:sldId id="275" r:id="rId13"/>
     <p:sldId id="280" r:id="rId14"/>
+    <p:sldId id="281" r:id="rId15"/>
   </p:sldIdLst>
   <p:sldSz cx="12192000" cy="6858000"/>
   <p:notesSz cx="6858000" cy="9144000"/>
@@ -271,7 +272,7 @@
           <a:p>
             <a:fld id="{36831352-1F1F-4B91-B3AF-87A684FCC0B3}" type="datetimeFigureOut">
               <a:rPr lang="en-US" smtClean="0"/>
-              <a:t>5/10/2023</a:t>
+              <a:t>5/30/2023</a:t>
             </a:fld>
             <a:endParaRPr lang="en-US"/>
           </a:p>
@@ -469,7 +470,7 @@
           <a:p>
             <a:fld id="{36831352-1F1F-4B91-B3AF-87A684FCC0B3}" type="datetimeFigureOut">
               <a:rPr lang="en-US" smtClean="0"/>
-              <a:t>5/10/2023</a:t>
+              <a:t>5/30/2023</a:t>
             </a:fld>
             <a:endParaRPr lang="en-US"/>
           </a:p>
@@ -677,7 +678,7 @@
           <a:p>
             <a:fld id="{36831352-1F1F-4B91-B3AF-87A684FCC0B3}" type="datetimeFigureOut">
               <a:rPr lang="en-US" smtClean="0"/>
-              <a:t>5/10/2023</a:t>
+              <a:t>5/30/2023</a:t>
             </a:fld>
             <a:endParaRPr lang="en-US"/>
           </a:p>
@@ -875,7 +876,7 @@
           <a:p>
             <a:fld id="{36831352-1F1F-4B91-B3AF-87A684FCC0B3}" type="datetimeFigureOut">
               <a:rPr lang="en-US" smtClean="0"/>
-              <a:t>5/10/2023</a:t>
+              <a:t>5/30/2023</a:t>
             </a:fld>
             <a:endParaRPr lang="en-US"/>
           </a:p>
@@ -1150,7 +1151,7 @@
           <a:p>
             <a:fld id="{36831352-1F1F-4B91-B3AF-87A684FCC0B3}" type="datetimeFigureOut">
               <a:rPr lang="en-US" smtClean="0"/>
-              <a:t>5/10/2023</a:t>
+              <a:t>5/30/2023</a:t>
             </a:fld>
             <a:endParaRPr lang="en-US"/>
           </a:p>
@@ -1415,7 +1416,7 @@
           <a:p>
             <a:fld id="{36831352-1F1F-4B91-B3AF-87A684FCC0B3}" type="datetimeFigureOut">
               <a:rPr lang="en-US" smtClean="0"/>
-              <a:t>5/10/2023</a:t>
+              <a:t>5/30/2023</a:t>
             </a:fld>
             <a:endParaRPr lang="en-US"/>
           </a:p>
@@ -1827,7 +1828,7 @@
           <a:p>
             <a:fld id="{36831352-1F1F-4B91-B3AF-87A684FCC0B3}" type="datetimeFigureOut">
               <a:rPr lang="en-US" smtClean="0"/>
-              <a:t>5/10/2023</a:t>
+              <a:t>5/30/2023</a:t>
             </a:fld>
             <a:endParaRPr lang="en-US"/>
           </a:p>
@@ -1968,7 +1969,7 @@
           <a:p>
             <a:fld id="{36831352-1F1F-4B91-B3AF-87A684FCC0B3}" type="datetimeFigureOut">
               <a:rPr lang="en-US" smtClean="0"/>
-              <a:t>5/10/2023</a:t>
+              <a:t>5/30/2023</a:t>
             </a:fld>
             <a:endParaRPr lang="en-US"/>
           </a:p>
@@ -2081,7 +2082,7 @@
           <a:p>
             <a:fld id="{36831352-1F1F-4B91-B3AF-87A684FCC0B3}" type="datetimeFigureOut">
               <a:rPr lang="en-US" smtClean="0"/>
-              <a:t>5/10/2023</a:t>
+              <a:t>5/30/2023</a:t>
             </a:fld>
             <a:endParaRPr lang="en-US"/>
           </a:p>
@@ -2392,7 +2393,7 @@
           <a:p>
             <a:fld id="{36831352-1F1F-4B91-B3AF-87A684FCC0B3}" type="datetimeFigureOut">
               <a:rPr lang="en-US" smtClean="0"/>
-              <a:t>5/10/2023</a:t>
+              <a:t>5/30/2023</a:t>
             </a:fld>
             <a:endParaRPr lang="en-US"/>
           </a:p>
@@ -2680,7 +2681,7 @@
           <a:p>
             <a:fld id="{36831352-1F1F-4B91-B3AF-87A684FCC0B3}" type="datetimeFigureOut">
               <a:rPr lang="en-US" smtClean="0"/>
-              <a:t>5/10/2023</a:t>
+              <a:t>5/30/2023</a:t>
             </a:fld>
             <a:endParaRPr lang="en-US"/>
           </a:p>
@@ -2921,7 +2922,7 @@
           <a:p>
             <a:fld id="{36831352-1F1F-4B91-B3AF-87A684FCC0B3}" type="datetimeFigureOut">
               <a:rPr lang="en-US" smtClean="0"/>
-              <a:t>5/10/2023</a:t>
+              <a:t>5/30/2023</a:t>
             </a:fld>
             <a:endParaRPr lang="en-US"/>
           </a:p>
@@ -3520,10 +3521,10 @@
       </p:grpSpPr>
       <p:pic>
         <p:nvPicPr>
-          <p:cNvPr id="6" name="Picture 5">
-            <a:extLst>
-              <a:ext uri="{FF2B5EF4-FFF2-40B4-BE49-F238E27FC236}">
-                <a16:creationId xmlns:a16="http://schemas.microsoft.com/office/drawing/2014/main" id="{D357396F-3DB6-F400-AF2D-F3B35CC8E686}"/>
+          <p:cNvPr id="3" name="Picture 2">
+            <a:extLst>
+              <a:ext uri="{FF2B5EF4-FFF2-40B4-BE49-F238E27FC236}">
+                <a16:creationId xmlns:a16="http://schemas.microsoft.com/office/drawing/2014/main" id="{BBD1524A-9F26-4903-8BC2-687229EFD8C9}"/>
               </a:ext>
             </a:extLst>
           </p:cNvPr>
@@ -3580,10 +3581,10 @@
       </p:grpSpPr>
       <p:pic>
         <p:nvPicPr>
-          <p:cNvPr id="5" name="Picture 4">
-            <a:extLst>
-              <a:ext uri="{FF2B5EF4-FFF2-40B4-BE49-F238E27FC236}">
-                <a16:creationId xmlns:a16="http://schemas.microsoft.com/office/drawing/2014/main" id="{E38D6F8C-4519-8CF2-8805-ECEDD9E5356E}"/>
+          <p:cNvPr id="3" name="Picture 2">
+            <a:extLst>
+              <a:ext uri="{FF2B5EF4-FFF2-40B4-BE49-F238E27FC236}">
+                <a16:creationId xmlns:a16="http://schemas.microsoft.com/office/drawing/2014/main" id="{D7296E1D-C157-685F-08E5-D3EFB7DA68D7}"/>
               </a:ext>
             </a:extLst>
           </p:cNvPr>
@@ -3612,6 +3613,66 @@
     <p:extLst>
       <p:ext uri="{BB962C8B-B14F-4D97-AF65-F5344CB8AC3E}">
         <p14:creationId xmlns:p14="http://schemas.microsoft.com/office/powerpoint/2010/main" val="1638319184"/>
+      </p:ext>
+    </p:extLst>
+  </p:cSld>
+  <p:clrMapOvr>
+    <a:masterClrMapping/>
+  </p:clrMapOvr>
+</p:sld>
+</file>
+
+<file path=ppt/slides/slide14.xml><?xml version="1.0" encoding="utf-8"?>
+<p:sld xmlns:a="http://schemas.openxmlformats.org/drawingml/2006/main" xmlns:r="http://schemas.openxmlformats.org/officeDocument/2006/relationships" xmlns:p="http://schemas.openxmlformats.org/presentationml/2006/main">
+  <p:cSld>
+    <p:spTree>
+      <p:nvGrpSpPr>
+        <p:cNvPr id="1" name=""/>
+        <p:cNvGrpSpPr/>
+        <p:nvPr/>
+      </p:nvGrpSpPr>
+      <p:grpSpPr>
+        <a:xfrm>
+          <a:off x="0" y="0"/>
+          <a:ext cx="0" cy="0"/>
+          <a:chOff x="0" y="0"/>
+          <a:chExt cx="0" cy="0"/>
+        </a:xfrm>
+      </p:grpSpPr>
+      <p:pic>
+        <p:nvPicPr>
+          <p:cNvPr id="5" name="Picture 4">
+            <a:extLst>
+              <a:ext uri="{FF2B5EF4-FFF2-40B4-BE49-F238E27FC236}">
+                <a16:creationId xmlns:a16="http://schemas.microsoft.com/office/drawing/2014/main" id="{F5BD754E-F048-1630-CE8F-2E82D811B96F}"/>
+              </a:ext>
+            </a:extLst>
+          </p:cNvPr>
+          <p:cNvPicPr>
+            <a:picLocks noChangeAspect="1"/>
+          </p:cNvPicPr>
+          <p:nvPr/>
+        </p:nvPicPr>
+        <p:blipFill>
+          <a:blip r:embed="rId2"/>
+          <a:stretch>
+            <a:fillRect/>
+          </a:stretch>
+        </p:blipFill>
+        <p:spPr>
+          <a:xfrm>
+            <a:off x="0" y="0"/>
+            <a:ext cx="12192000" cy="6858000"/>
+          </a:xfrm>
+          <a:prstGeom prst="rect">
+            <a:avLst/>
+          </a:prstGeom>
+        </p:spPr>
+      </p:pic>
+    </p:spTree>
+    <p:extLst>
+      <p:ext uri="{BB962C8B-B14F-4D97-AF65-F5344CB8AC3E}">
+        <p14:creationId xmlns:p14="http://schemas.microsoft.com/office/powerpoint/2010/main" val="106043477"/>
       </p:ext>
     </p:extLst>
   </p:cSld>

--- a/FPL_Data_Driven_Decisions/Project/Fantasy Premier League - Data Driven Decisions.pptx
+++ b/FPL_Data_Driven_Decisions/Project/Fantasy Premier League - Data Driven Decisions.pptx
@@ -3581,10 +3581,10 @@
       </p:grpSpPr>
       <p:pic>
         <p:nvPicPr>
-          <p:cNvPr id="3" name="Picture 2">
-            <a:extLst>
-              <a:ext uri="{FF2B5EF4-FFF2-40B4-BE49-F238E27FC236}">
-                <a16:creationId xmlns:a16="http://schemas.microsoft.com/office/drawing/2014/main" id="{D7296E1D-C157-685F-08E5-D3EFB7DA68D7}"/>
+          <p:cNvPr id="4" name="Picture 3">
+            <a:extLst>
+              <a:ext uri="{FF2B5EF4-FFF2-40B4-BE49-F238E27FC236}">
+                <a16:creationId xmlns:a16="http://schemas.microsoft.com/office/drawing/2014/main" id="{3C71ABA4-22FA-4C4F-0633-57A8FC52D355}"/>
               </a:ext>
             </a:extLst>
           </p:cNvPr>
@@ -3644,7 +3644,7 @@
           <p:cNvPr id="5" name="Picture 4">
             <a:extLst>
               <a:ext uri="{FF2B5EF4-FFF2-40B4-BE49-F238E27FC236}">
-                <a16:creationId xmlns:a16="http://schemas.microsoft.com/office/drawing/2014/main" id="{F5BD754E-F048-1630-CE8F-2E82D811B96F}"/>
+                <a16:creationId xmlns:a16="http://schemas.microsoft.com/office/drawing/2014/main" id="{3121617C-23C2-5C59-9B0F-72D7A8CAFE12}"/>
               </a:ext>
             </a:extLst>
           </p:cNvPr>
@@ -3672,7 +3672,7 @@
     </p:spTree>
     <p:extLst>
       <p:ext uri="{BB962C8B-B14F-4D97-AF65-F5344CB8AC3E}">
-        <p14:creationId xmlns:p14="http://schemas.microsoft.com/office/powerpoint/2010/main" val="106043477"/>
+        <p14:creationId xmlns:p14="http://schemas.microsoft.com/office/powerpoint/2010/main" val="681740397"/>
       </p:ext>
     </p:extLst>
   </p:cSld>
